--- a/详细设计ppt.pptx
+++ b/详细设计ppt.pptx
@@ -42,7 +42,8 @@
     <p:sldId id="379" r:id="rId35"/>
     <p:sldId id="321" r:id="rId36"/>
     <p:sldId id="380" r:id="rId37"/>
-    <p:sldId id="257" r:id="rId38"/>
+    <p:sldId id="391" r:id="rId38"/>
+    <p:sldId id="257" r:id="rId39"/>
   </p:sldIdLst>
   <p:sldSz cx="12192000" cy="6858000"/>
   <p:notesSz cx="6858000" cy="9144000"/>
@@ -2676,6 +2677,84 @@
 </file>
 
 <file path=ppt/notesSlides/notesSlide35.xml><?xml version="1.0" encoding="utf-8"?>
+<p:notes xmlns:a="http://schemas.openxmlformats.org/drawingml/2006/main" xmlns:r="http://schemas.openxmlformats.org/officeDocument/2006/relationships" xmlns:p="http://schemas.openxmlformats.org/presentationml/2006/main">
+  <p:cSld>
+    <p:spTree>
+      <p:nvGrpSpPr>
+        <p:cNvPr id="1" name=""/>
+        <p:cNvGrpSpPr/>
+        <p:nvPr/>
+      </p:nvGrpSpPr>
+      <p:grpSpPr>
+        <a:xfrm>
+          <a:off x="0" y="0"/>
+          <a:ext cx="0" cy="0"/>
+          <a:chOff x="0" y="0"/>
+          <a:chExt cx="0" cy="0"/>
+        </a:xfrm>
+      </p:grpSpPr>
+      <p:sp>
+        <p:nvSpPr>
+          <p:cNvPr id="2" name="幻灯片图像占位符 1"/>
+          <p:cNvSpPr>
+            <a:spLocks noGrp="1" noRot="1" noChangeAspect="1"/>
+          </p:cNvSpPr>
+          <p:nvPr>
+            <p:ph type="sldImg"/>
+          </p:nvPr>
+        </p:nvSpPr>
+        <p:spPr/>
+      </p:sp>
+      <p:sp>
+        <p:nvSpPr>
+          <p:cNvPr id="3" name="备注占位符 2"/>
+          <p:cNvSpPr>
+            <a:spLocks noGrp="1"/>
+          </p:cNvSpPr>
+          <p:nvPr>
+            <p:ph type="body" idx="1"/>
+          </p:nvPr>
+        </p:nvSpPr>
+        <p:spPr/>
+        <p:txBody>
+          <a:bodyPr/>
+          <a:lstStyle/>
+          <a:p>
+            <a:endParaRPr lang="zh-CN" altLang="en-US"/>
+          </a:p>
+        </p:txBody>
+      </p:sp>
+      <p:sp>
+        <p:nvSpPr>
+          <p:cNvPr id="4" name="灯片编号占位符 3"/>
+          <p:cNvSpPr>
+            <a:spLocks noGrp="1"/>
+          </p:cNvSpPr>
+          <p:nvPr>
+            <p:ph type="sldNum" sz="quarter" idx="10"/>
+          </p:nvPr>
+        </p:nvSpPr>
+        <p:spPr/>
+        <p:txBody>
+          <a:bodyPr/>
+          <a:lstStyle/>
+          <a:p>
+            <a:fld id="{3679A98D-95B1-4DD4-8389-DFC8F8C977C3}" type="slidenum">
+              <a:rPr lang="zh-CN" altLang="en-US" smtClean="0"/>
+            </a:fld>
+            <a:endParaRPr lang="zh-CN" altLang="en-US" dirty="0"/>
+          </a:p>
+        </p:txBody>
+      </p:sp>
+    </p:spTree>
+  </p:cSld>
+  <p:clrMapOvr>
+    <a:masterClrMapping/>
+  </p:clrMapOvr>
+</p:notes>
+</file>
+
+<file path=ppt/notesSlides/notesSlide36.xml><?xml version="1.0" encoding="utf-8"?>
 <p:notes xmlns:a="http://schemas.openxmlformats.org/drawingml/2006/main" xmlns:r="http://schemas.openxmlformats.org/officeDocument/2006/relationships" xmlns:p="http://schemas.openxmlformats.org/presentationml/2006/main">
   <p:cSld>
     <p:spTree>
@@ -32433,7 +32512,7 @@
       </p:sp>
       <p:pic>
         <p:nvPicPr>
-          <p:cNvPr id="-2147482601" name="图片 1" descr="C:\Users\假面骑士\AppData\Roaming\Tencent\Users\578291452\QQ\WinTemp\RichOle\QWPNO46D2~YV$RR%WDO~0_S.png"/>
+          <p:cNvPr id="2" name="图片 1" descr="C:\Users\假面骑士\AppData\Roaming\Tencent\Users\578291452\QQ\WinTemp\RichOle\QWPNO46D2~YV$RR%WDO~0_S.png"/>
           <p:cNvPicPr>
             <a:picLocks noChangeAspect="1"/>
           </p:cNvPicPr>
@@ -32971,7 +33050,7 @@
       </p:sp>
       <p:pic>
         <p:nvPicPr>
-          <p:cNvPr id="-2147482598" name="图片 13" descr="C:\Users\假面骑士\AppData\Roaming\Tencent\Users\578291452\QQ\WinTemp\RichOle\YBD_L[1J@RY}37APD{%(80B.png"/>
+          <p:cNvPr id="2" name="图片 13" descr="C:\Users\假面骑士\AppData\Roaming\Tencent\Users\578291452\QQ\WinTemp\RichOle\YBD_L[1J@RY}37APD{%(80B.png"/>
           <p:cNvPicPr>
             <a:picLocks noChangeAspect="1"/>
           </p:cNvPicPr>
@@ -33327,7 +33406,7 @@
       </p:sp>
       <p:pic>
         <p:nvPicPr>
-          <p:cNvPr id="-2147482597" name="图片 21" descr="1P(0OJ{8DTP87GJB(@(Q[QE"/>
+          <p:cNvPr id="2" name="图片 21" descr="1P(0OJ{8DTP87GJB(@(Q[QE"/>
           <p:cNvPicPr>
             <a:picLocks noChangeAspect="1"/>
           </p:cNvPicPr>
@@ -33355,7 +33434,7 @@
       </p:pic>
       <p:pic>
         <p:nvPicPr>
-          <p:cNvPr id="-2147482596" name="图片 5" descr="IMG_256"/>
+          <p:cNvPr id="3" name="图片 5" descr="IMG_256"/>
           <p:cNvPicPr>
             <a:picLocks noChangeAspect="1"/>
           </p:cNvPicPr>
@@ -33384,7 +33463,7 @@
       </p:pic>
       <p:pic>
         <p:nvPicPr>
-          <p:cNvPr id="-2147482591" name="图片 -2147482592" descr="WQ2D6X{9VM$YYI6V3$WI{1C"/>
+          <p:cNvPr id="4" name="图片 -2147482592" descr="WQ2D6X{9VM$YYI6V3$WI{1C"/>
           <p:cNvPicPr>
             <a:picLocks noChangeAspect="1"/>
           </p:cNvPicPr>
@@ -33431,303 +33510,7 @@
   <p:timing>
     <p:tnLst>
       <p:par>
-        <p:cTn id="1" dur="indefinite" restart="never" nodeType="tmRoot">
-          <p:childTnLst>
-            <p:seq concurrent="1" nextAc="seek">
-              <p:cTn id="2" dur="indefinite" nodeType="mainSeq">
-                <p:childTnLst>
-                  <p:par>
-                    <p:cTn id="3" fill="hold">
-                      <p:stCondLst>
-                        <p:cond delay="indefinite"/>
-                      </p:stCondLst>
-                      <p:childTnLst>
-                        <p:par>
-                          <p:cTn id="4" fill="hold">
-                            <p:stCondLst>
-                              <p:cond delay="0"/>
-                            </p:stCondLst>
-                            <p:childTnLst>
-                              <p:par>
-                                <p:cTn id="5" presetID="2" presetClass="entr" presetSubtype="4" fill="hold" nodeType="clickEffect">
-                                  <p:stCondLst>
-                                    <p:cond delay="0"/>
-                                  </p:stCondLst>
-                                  <p:childTnLst>
-                                    <p:set>
-                                      <p:cBhvr>
-                                        <p:cTn id="6" dur="1" fill="hold">
-                                          <p:stCondLst>
-                                            <p:cond delay="0"/>
-                                          </p:stCondLst>
-                                        </p:cTn>
-                                        <p:tgtEl>
-                                          <p:spTgt spid="-2147482597"/>
-                                        </p:tgtEl>
-                                        <p:attrNameLst>
-                                          <p:attrName>style.visibility</p:attrName>
-                                        </p:attrNameLst>
-                                      </p:cBhvr>
-                                      <p:to>
-                                        <p:strVal val="visible"/>
-                                      </p:to>
-                                    </p:set>
-                                    <p:anim calcmode="lin" valueType="num">
-                                      <p:cBhvr additive="base">
-                                        <p:cTn id="7" dur="500" fill="hold"/>
-                                        <p:tgtEl>
-                                          <p:spTgt spid="-2147482597"/>
-                                        </p:tgtEl>
-                                        <p:attrNameLst>
-                                          <p:attrName>ppt_x</p:attrName>
-                                        </p:attrNameLst>
-                                      </p:cBhvr>
-                                      <p:tavLst>
-                                        <p:tav tm="0">
-                                          <p:val>
-                                            <p:strVal val="#ppt_x"/>
-                                          </p:val>
-                                        </p:tav>
-                                        <p:tav tm="100000">
-                                          <p:val>
-                                            <p:strVal val="#ppt_x"/>
-                                          </p:val>
-                                        </p:tav>
-                                      </p:tavLst>
-                                    </p:anim>
-                                    <p:anim calcmode="lin" valueType="num">
-                                      <p:cBhvr additive="base">
-                                        <p:cTn id="8" dur="500" fill="hold"/>
-                                        <p:tgtEl>
-                                          <p:spTgt spid="-2147482597"/>
-                                        </p:tgtEl>
-                                        <p:attrNameLst>
-                                          <p:attrName>ppt_y</p:attrName>
-                                        </p:attrNameLst>
-                                      </p:cBhvr>
-                                      <p:tavLst>
-                                        <p:tav tm="0">
-                                          <p:val>
-                                            <p:strVal val="1+#ppt_h/2"/>
-                                          </p:val>
-                                        </p:tav>
-                                        <p:tav tm="100000">
-                                          <p:val>
-                                            <p:strVal val="#ppt_y"/>
-                                          </p:val>
-                                        </p:tav>
-                                      </p:tavLst>
-                                    </p:anim>
-                                  </p:childTnLst>
-                                </p:cTn>
-                              </p:par>
-                            </p:childTnLst>
-                          </p:cTn>
-                        </p:par>
-                      </p:childTnLst>
-                    </p:cTn>
-                  </p:par>
-                  <p:par>
-                    <p:cTn id="9" fill="hold">
-                      <p:stCondLst>
-                        <p:cond delay="indefinite"/>
-                      </p:stCondLst>
-                      <p:childTnLst>
-                        <p:par>
-                          <p:cTn id="10" fill="hold">
-                            <p:stCondLst>
-                              <p:cond delay="0"/>
-                            </p:stCondLst>
-                            <p:childTnLst>
-                              <p:par>
-                                <p:cTn id="11" presetID="2" presetClass="entr" presetSubtype="4" fill="hold" nodeType="clickEffect">
-                                  <p:stCondLst>
-                                    <p:cond delay="0"/>
-                                  </p:stCondLst>
-                                  <p:childTnLst>
-                                    <p:set>
-                                      <p:cBhvr>
-                                        <p:cTn id="12" dur="1" fill="hold">
-                                          <p:stCondLst>
-                                            <p:cond delay="0"/>
-                                          </p:stCondLst>
-                                        </p:cTn>
-                                        <p:tgtEl>
-                                          <p:spTgt spid="-2147482596"/>
-                                        </p:tgtEl>
-                                        <p:attrNameLst>
-                                          <p:attrName>style.visibility</p:attrName>
-                                        </p:attrNameLst>
-                                      </p:cBhvr>
-                                      <p:to>
-                                        <p:strVal val="visible"/>
-                                      </p:to>
-                                    </p:set>
-                                    <p:anim calcmode="lin" valueType="num">
-                                      <p:cBhvr additive="base">
-                                        <p:cTn id="13" dur="500" fill="hold"/>
-                                        <p:tgtEl>
-                                          <p:spTgt spid="-2147482596"/>
-                                        </p:tgtEl>
-                                        <p:attrNameLst>
-                                          <p:attrName>ppt_x</p:attrName>
-                                        </p:attrNameLst>
-                                      </p:cBhvr>
-                                      <p:tavLst>
-                                        <p:tav tm="0">
-                                          <p:val>
-                                            <p:strVal val="#ppt_x"/>
-                                          </p:val>
-                                        </p:tav>
-                                        <p:tav tm="100000">
-                                          <p:val>
-                                            <p:strVal val="#ppt_x"/>
-                                          </p:val>
-                                        </p:tav>
-                                      </p:tavLst>
-                                    </p:anim>
-                                    <p:anim calcmode="lin" valueType="num">
-                                      <p:cBhvr additive="base">
-                                        <p:cTn id="14" dur="500" fill="hold"/>
-                                        <p:tgtEl>
-                                          <p:spTgt spid="-2147482596"/>
-                                        </p:tgtEl>
-                                        <p:attrNameLst>
-                                          <p:attrName>ppt_y</p:attrName>
-                                        </p:attrNameLst>
-                                      </p:cBhvr>
-                                      <p:tavLst>
-                                        <p:tav tm="0">
-                                          <p:val>
-                                            <p:strVal val="1+#ppt_h/2"/>
-                                          </p:val>
-                                        </p:tav>
-                                        <p:tav tm="100000">
-                                          <p:val>
-                                            <p:strVal val="#ppt_y"/>
-                                          </p:val>
-                                        </p:tav>
-                                      </p:tavLst>
-                                    </p:anim>
-                                  </p:childTnLst>
-                                </p:cTn>
-                              </p:par>
-                            </p:childTnLst>
-                          </p:cTn>
-                        </p:par>
-                      </p:childTnLst>
-                    </p:cTn>
-                  </p:par>
-                  <p:par>
-                    <p:cTn id="15" fill="hold">
-                      <p:stCondLst>
-                        <p:cond delay="indefinite"/>
-                      </p:stCondLst>
-                      <p:childTnLst>
-                        <p:par>
-                          <p:cTn id="16" fill="hold">
-                            <p:stCondLst>
-                              <p:cond delay="0"/>
-                            </p:stCondLst>
-                            <p:childTnLst>
-                              <p:par>
-                                <p:cTn id="17" presetID="2" presetClass="entr" presetSubtype="4" fill="hold" nodeType="clickEffect">
-                                  <p:stCondLst>
-                                    <p:cond delay="0"/>
-                                  </p:stCondLst>
-                                  <p:childTnLst>
-                                    <p:set>
-                                      <p:cBhvr>
-                                        <p:cTn id="18" dur="1" fill="hold">
-                                          <p:stCondLst>
-                                            <p:cond delay="0"/>
-                                          </p:stCondLst>
-                                        </p:cTn>
-                                        <p:tgtEl>
-                                          <p:spTgt spid="-2147482591"/>
-                                        </p:tgtEl>
-                                        <p:attrNameLst>
-                                          <p:attrName>style.visibility</p:attrName>
-                                        </p:attrNameLst>
-                                      </p:cBhvr>
-                                      <p:to>
-                                        <p:strVal val="visible"/>
-                                      </p:to>
-                                    </p:set>
-                                    <p:anim calcmode="lin" valueType="num">
-                                      <p:cBhvr additive="base">
-                                        <p:cTn id="19" dur="500" fill="hold"/>
-                                        <p:tgtEl>
-                                          <p:spTgt spid="-2147482591"/>
-                                        </p:tgtEl>
-                                        <p:attrNameLst>
-                                          <p:attrName>ppt_x</p:attrName>
-                                        </p:attrNameLst>
-                                      </p:cBhvr>
-                                      <p:tavLst>
-                                        <p:tav tm="0">
-                                          <p:val>
-                                            <p:strVal val="#ppt_x"/>
-                                          </p:val>
-                                        </p:tav>
-                                        <p:tav tm="100000">
-                                          <p:val>
-                                            <p:strVal val="#ppt_x"/>
-                                          </p:val>
-                                        </p:tav>
-                                      </p:tavLst>
-                                    </p:anim>
-                                    <p:anim calcmode="lin" valueType="num">
-                                      <p:cBhvr additive="base">
-                                        <p:cTn id="20" dur="500" fill="hold"/>
-                                        <p:tgtEl>
-                                          <p:spTgt spid="-2147482591"/>
-                                        </p:tgtEl>
-                                        <p:attrNameLst>
-                                          <p:attrName>ppt_y</p:attrName>
-                                        </p:attrNameLst>
-                                      </p:cBhvr>
-                                      <p:tavLst>
-                                        <p:tav tm="0">
-                                          <p:val>
-                                            <p:strVal val="1+#ppt_h/2"/>
-                                          </p:val>
-                                        </p:tav>
-                                        <p:tav tm="100000">
-                                          <p:val>
-                                            <p:strVal val="#ppt_y"/>
-                                          </p:val>
-                                        </p:tav>
-                                      </p:tavLst>
-                                    </p:anim>
-                                  </p:childTnLst>
-                                </p:cTn>
-                              </p:par>
-                            </p:childTnLst>
-                          </p:cTn>
-                        </p:par>
-                      </p:childTnLst>
-                    </p:cTn>
-                  </p:par>
-                </p:childTnLst>
-              </p:cTn>
-              <p:prevCondLst>
-                <p:cond evt="onPrev" delay="0">
-                  <p:tgtEl>
-                    <p:sldTgt/>
-                  </p:tgtEl>
-                </p:cond>
-              </p:prevCondLst>
-              <p:nextCondLst>
-                <p:cond evt="onNext" delay="0">
-                  <p:tgtEl>
-                    <p:sldTgt/>
-                  </p:tgtEl>
-                </p:cond>
-              </p:nextCondLst>
-            </p:seq>
-          </p:childTnLst>
-        </p:cTn>
+        <p:cTn id="1" dur="indefinite" restart="never" nodeType="tmRoot"/>
       </p:par>
     </p:tnLst>
   </p:timing>
@@ -34449,6 +34232,405 @@
 </file>
 
 <file path=ppt/slides/slide35.xml><?xml version="1.0" encoding="utf-8"?>
+<p:sld xmlns:a="http://schemas.openxmlformats.org/drawingml/2006/main" xmlns:r="http://schemas.openxmlformats.org/officeDocument/2006/relationships" xmlns:p="http://schemas.openxmlformats.org/presentationml/2006/main">
+  <p:cSld>
+    <p:spTree>
+      <p:nvGrpSpPr>
+        <p:cNvPr id="1" name=""/>
+        <p:cNvGrpSpPr/>
+        <p:nvPr/>
+      </p:nvGrpSpPr>
+      <p:grpSpPr>
+        <a:xfrm>
+          <a:off x="0" y="0"/>
+          <a:ext cx="0" cy="0"/>
+          <a:chOff x="0" y="0"/>
+          <a:chExt cx="0" cy="0"/>
+        </a:xfrm>
+      </p:grpSpPr>
+      <p:cxnSp>
+        <p:nvCxnSpPr>
+          <p:cNvPr id="27" name="直接连接符 26"/>
+          <p:cNvCxnSpPr/>
+          <p:nvPr/>
+        </p:nvCxnSpPr>
+        <p:spPr>
+          <a:xfrm>
+            <a:off x="1117600" y="886460"/>
+            <a:ext cx="1374775" cy="1270"/>
+          </a:xfrm>
+          <a:prstGeom prst="line">
+            <a:avLst/>
+          </a:prstGeom>
+          <a:ln w="19050">
+            <a:solidFill>
+              <a:schemeClr val="accent2"/>
+            </a:solidFill>
+          </a:ln>
+        </p:spPr>
+        <p:style>
+          <a:lnRef idx="1">
+            <a:schemeClr val="accent1"/>
+          </a:lnRef>
+          <a:fillRef idx="0">
+            <a:schemeClr val="accent1"/>
+          </a:fillRef>
+          <a:effectRef idx="0">
+            <a:schemeClr val="accent1"/>
+          </a:effectRef>
+          <a:fontRef idx="minor">
+            <a:schemeClr val="tx1"/>
+          </a:fontRef>
+        </p:style>
+      </p:cxnSp>
+      <p:sp>
+        <p:nvSpPr>
+          <p:cNvPr id="11" name="椭圆 10"/>
+          <p:cNvSpPr/>
+          <p:nvPr/>
+        </p:nvSpPr>
+        <p:spPr>
+          <a:xfrm>
+            <a:off x="-1260782" y="1094404"/>
+            <a:ext cx="1101992" cy="1101992"/>
+          </a:xfrm>
+          <a:prstGeom prst="ellipse">
+            <a:avLst/>
+          </a:prstGeom>
+          <a:solidFill>
+            <a:schemeClr val="accent1"/>
+          </a:solidFill>
+          <a:ln w="12700" cap="flat" cmpd="sng" algn="ctr">
+            <a:noFill/>
+            <a:prstDash val="solid"/>
+            <a:miter lim="800000"/>
+          </a:ln>
+          <a:effectLst/>
+        </p:spPr>
+        <p:txBody>
+          <a:bodyPr rtlCol="0" anchor="ctr"/>
+          <a:lstStyle/>
+          <a:p>
+            <a:pPr algn="ctr">
+              <a:defRPr/>
+            </a:pPr>
+            <a:endParaRPr lang="zh-CN" altLang="en-US" sz="2400" kern="0">
+              <a:solidFill>
+                <a:prstClr val="black">
+                  <a:lumMod val="75000"/>
+                  <a:lumOff val="25000"/>
+                </a:prstClr>
+              </a:solidFill>
+              <a:latin typeface="Calibri" panose="020F0502020204030204"/>
+              <a:ea typeface="微软雅黑" panose="020B0503020204020204" pitchFamily="34" charset="-122"/>
+            </a:endParaRPr>
+          </a:p>
+        </p:txBody>
+      </p:sp>
+      <p:sp>
+        <p:nvSpPr>
+          <p:cNvPr id="12" name="椭圆 11"/>
+          <p:cNvSpPr/>
+          <p:nvPr/>
+        </p:nvSpPr>
+        <p:spPr>
+          <a:xfrm>
+            <a:off x="-1317724" y="4400380"/>
+            <a:ext cx="1101992" cy="1101992"/>
+          </a:xfrm>
+          <a:prstGeom prst="ellipse">
+            <a:avLst/>
+          </a:prstGeom>
+          <a:solidFill>
+            <a:schemeClr val="accent4"/>
+          </a:solidFill>
+          <a:ln w="12700" cap="flat" cmpd="sng" algn="ctr">
+            <a:noFill/>
+            <a:prstDash val="solid"/>
+            <a:miter lim="800000"/>
+          </a:ln>
+          <a:effectLst/>
+        </p:spPr>
+        <p:txBody>
+          <a:bodyPr rtlCol="0" anchor="ctr"/>
+          <a:lstStyle/>
+          <a:p>
+            <a:pPr algn="ctr">
+              <a:defRPr/>
+            </a:pPr>
+            <a:endParaRPr lang="zh-CN" altLang="en-US" sz="2400" kern="0">
+              <a:solidFill>
+                <a:prstClr val="black">
+                  <a:lumMod val="75000"/>
+                  <a:lumOff val="25000"/>
+                </a:prstClr>
+              </a:solidFill>
+              <a:latin typeface="Calibri" panose="020F0502020204030204"/>
+              <a:ea typeface="微软雅黑" panose="020B0503020204020204" pitchFamily="34" charset="-122"/>
+            </a:endParaRPr>
+          </a:p>
+        </p:txBody>
+      </p:sp>
+      <p:sp>
+        <p:nvSpPr>
+          <p:cNvPr id="13" name="椭圆 12"/>
+          <p:cNvSpPr/>
+          <p:nvPr/>
+        </p:nvSpPr>
+        <p:spPr>
+          <a:xfrm>
+            <a:off x="-1289253" y="2196396"/>
+            <a:ext cx="1101992" cy="1101992"/>
+          </a:xfrm>
+          <a:prstGeom prst="ellipse">
+            <a:avLst/>
+          </a:prstGeom>
+          <a:solidFill>
+            <a:schemeClr val="accent2">
+              <a:alpha val="80000"/>
+            </a:schemeClr>
+          </a:solidFill>
+          <a:ln w="12700" cap="flat" cmpd="sng" algn="ctr">
+            <a:noFill/>
+            <a:prstDash val="solid"/>
+            <a:miter lim="800000"/>
+          </a:ln>
+          <a:effectLst/>
+        </p:spPr>
+        <p:txBody>
+          <a:bodyPr rtlCol="0" anchor="ctr"/>
+          <a:lstStyle/>
+          <a:p>
+            <a:pPr algn="ctr">
+              <a:defRPr/>
+            </a:pPr>
+            <a:endParaRPr lang="zh-CN" altLang="en-US" sz="2400" kern="0">
+              <a:solidFill>
+                <a:prstClr val="black">
+                  <a:lumMod val="75000"/>
+                  <a:lumOff val="25000"/>
+                </a:prstClr>
+              </a:solidFill>
+              <a:latin typeface="Calibri" panose="020F0502020204030204"/>
+              <a:ea typeface="微软雅黑" panose="020B0503020204020204" pitchFamily="34" charset="-122"/>
+            </a:endParaRPr>
+          </a:p>
+        </p:txBody>
+      </p:sp>
+      <p:sp>
+        <p:nvSpPr>
+          <p:cNvPr id="14" name="椭圆 13"/>
+          <p:cNvSpPr/>
+          <p:nvPr/>
+        </p:nvSpPr>
+        <p:spPr>
+          <a:xfrm>
+            <a:off x="-1317724" y="3298388"/>
+            <a:ext cx="1101992" cy="1101992"/>
+          </a:xfrm>
+          <a:prstGeom prst="ellipse">
+            <a:avLst/>
+          </a:prstGeom>
+          <a:solidFill>
+            <a:schemeClr val="accent3"/>
+          </a:solidFill>
+          <a:ln w="12700" cap="flat" cmpd="sng" algn="ctr">
+            <a:noFill/>
+            <a:prstDash val="solid"/>
+            <a:miter lim="800000"/>
+          </a:ln>
+          <a:effectLst/>
+        </p:spPr>
+        <p:txBody>
+          <a:bodyPr rtlCol="0" anchor="ctr"/>
+          <a:lstStyle/>
+          <a:p>
+            <a:pPr algn="ctr">
+              <a:defRPr/>
+            </a:pPr>
+            <a:endParaRPr lang="zh-CN" altLang="en-US" sz="2400" kern="0">
+              <a:solidFill>
+                <a:prstClr val="black">
+                  <a:lumMod val="75000"/>
+                  <a:lumOff val="25000"/>
+                </a:prstClr>
+              </a:solidFill>
+              <a:latin typeface="Calibri" panose="020F0502020204030204"/>
+              <a:ea typeface="微软雅黑" panose="020B0503020204020204" pitchFamily="34" charset="-122"/>
+            </a:endParaRPr>
+          </a:p>
+        </p:txBody>
+      </p:sp>
+      <p:sp>
+        <p:nvSpPr>
+          <p:cNvPr id="28" name="TextBox 42"/>
+          <p:cNvSpPr txBox="1"/>
+          <p:nvPr/>
+        </p:nvSpPr>
+        <p:spPr>
+          <a:xfrm>
+            <a:off x="1250137" y="251792"/>
+            <a:ext cx="3647469" cy="457200"/>
+          </a:xfrm>
+          <a:prstGeom prst="rect">
+            <a:avLst/>
+          </a:prstGeom>
+          <a:noFill/>
+          <a:ln>
+            <a:noFill/>
+          </a:ln>
+        </p:spPr>
+        <p:txBody>
+          <a:bodyPr vert="horz" wrap="square" lIns="0" tIns="0" rIns="0" bIns="0" numCol="1" anchor="t" anchorCtr="0" compatLnSpc="1">
+            <a:spAutoFit/>
+          </a:bodyPr>
+          <a:lstStyle>
+            <a:defPPr>
+              <a:defRPr lang="zh-CN"/>
+            </a:defPPr>
+            <a:lvl1pPr marL="0" marR="0" lvl="0" indent="0" defTabSz="914400" eaLnBrk="1" latinLnBrk="0" hangingPunct="1">
+              <a:lnSpc>
+                <a:spcPct val="100000"/>
+              </a:lnSpc>
+              <a:buClrTx/>
+              <a:buSzTx/>
+              <a:buFontTx/>
+              <a:buNone/>
+              <a:defRPr kumimoji="0" sz="2800" b="1" i="0" u="none" strike="noStrike" cap="none" normalizeH="0" baseline="0">
+                <a:ln>
+                  <a:noFill/>
+                </a:ln>
+                <a:effectLst/>
+                <a:latin typeface="微软雅黑" panose="020B0503020204020204" pitchFamily="34" charset="-122"/>
+                <a:ea typeface="微软雅黑" panose="020B0503020204020204" pitchFamily="34" charset="-122"/>
+                <a:cs typeface="宋体" panose="02010600030101010101" pitchFamily="2" charset="-122"/>
+              </a:defRPr>
+            </a:lvl1pPr>
+          </a:lstStyle>
+          <a:p>
+            <a:r>
+              <a:rPr lang="zh-CN" sz="2800" b="0" dirty="0">
+                <a:solidFill>
+                  <a:schemeClr val="tx1">
+                    <a:lumMod val="65000"/>
+                    <a:lumOff val="35000"/>
+                  </a:schemeClr>
+                </a:solidFill>
+                <a:sym typeface="+mn-ea"/>
+              </a:rPr>
+              <a:t>绩效</a:t>
+            </a:r>
+            <a:endParaRPr lang="zh-CN" sz="2800" b="0" dirty="0">
+              <a:solidFill>
+                <a:schemeClr val="tx1">
+                  <a:lumMod val="65000"/>
+                  <a:lumOff val="35000"/>
+                </a:schemeClr>
+              </a:solidFill>
+              <a:sym typeface="+mn-ea"/>
+            </a:endParaRPr>
+          </a:p>
+        </p:txBody>
+      </p:sp>
+      <p:sp>
+        <p:nvSpPr>
+          <p:cNvPr id="3" name="文本框 2"/>
+          <p:cNvSpPr txBox="1"/>
+          <p:nvPr/>
+        </p:nvSpPr>
+        <p:spPr>
+          <a:xfrm>
+            <a:off x="1459865" y="2109470"/>
+            <a:ext cx="9749790" cy="1375410"/>
+          </a:xfrm>
+          <a:prstGeom prst="rect">
+            <a:avLst/>
+          </a:prstGeom>
+          <a:noFill/>
+        </p:spPr>
+        <p:txBody>
+          <a:bodyPr wrap="square" rtlCol="0">
+            <a:spAutoFit/>
+          </a:bodyPr>
+          <a:p>
+            <a:r>
+              <a:rPr lang="zh-CN" altLang="en-US" sz="2800"/>
+              <a:t>江泓：负责模块设计，辅助队员完成作业    </a:t>
+            </a:r>
+            <a:r>
+              <a:rPr lang="en-US" altLang="zh-CN" sz="2800"/>
+              <a:t>	30%</a:t>
+            </a:r>
+            <a:endParaRPr lang="en-US" altLang="zh-CN" sz="2800"/>
+          </a:p>
+          <a:p>
+            <a:r>
+              <a:rPr lang="zh-CN" altLang="en-US" sz="2800"/>
+              <a:t>曾雨晴：负责详细设计文档书序，模块设计       </a:t>
+            </a:r>
+            <a:r>
+              <a:rPr lang="en-US" altLang="zh-CN" sz="2800"/>
+              <a:t>35</a:t>
+            </a:r>
+            <a:r>
+              <a:rPr lang="en-US" altLang="zh-CN" sz="2800"/>
+              <a:t>%</a:t>
+            </a:r>
+            <a:endParaRPr lang="en-US" altLang="zh-CN" sz="2800"/>
+          </a:p>
+          <a:p>
+            <a:r>
+              <a:rPr lang="zh-CN" altLang="en-US" sz="2800"/>
+              <a:t>于欣汝：负责</a:t>
+            </a:r>
+            <a:r>
+              <a:rPr lang="en-US" altLang="zh-CN" sz="2800"/>
+              <a:t>ppt</a:t>
+            </a:r>
+            <a:r>
+              <a:rPr lang="zh-CN" altLang="en-US" sz="2800"/>
+              <a:t>制作，模块设计             </a:t>
+            </a:r>
+            <a:r>
+              <a:rPr lang="en-US" altLang="zh-CN" sz="2800"/>
+              <a:t>		30%</a:t>
+            </a:r>
+            <a:r>
+              <a:rPr lang="zh-CN" altLang="en-US" sz="2800"/>
+              <a:t>               </a:t>
+            </a:r>
+            <a:endParaRPr lang="zh-CN" altLang="en-US" sz="2800"/>
+          </a:p>
+        </p:txBody>
+      </p:sp>
+    </p:spTree>
+  </p:cSld>
+  <p:clrMapOvr>
+    <a:masterClrMapping/>
+  </p:clrMapOvr>
+  <mc:AlternateContent xmlns:mc="http://schemas.openxmlformats.org/markup-compatibility/2006">
+    <mc:Choice xmlns:p15="http://schemas.microsoft.com/office/powerpoint/2012/main" Requires="p15">
+      <p:transition xmlns:p14="http://schemas.microsoft.com/office/powerpoint/2010/main" Requires="p14" p14:dur="500">
+        <p15:prstTrans prst="pageCurlDouble"/>
+      </p:transition>
+    </mc:Choice>
+    <mc:Fallback>
+      <p:transition>
+        <p:fade/>
+      </p:transition>
+    </mc:Fallback>
+  </mc:AlternateContent>
+  <p:timing>
+    <p:tnLst>
+      <p:par>
+        <p:cTn id="1" dur="indefinite" restart="never" nodeType="tmRoot"/>
+      </p:par>
+    </p:tnLst>
+  </p:timing>
+</p:sld>
+</file>
+
+<file path=ppt/slides/slide36.xml><?xml version="1.0" encoding="utf-8"?>
 <p:sld xmlns:a="http://schemas.openxmlformats.org/drawingml/2006/main" xmlns:r="http://schemas.openxmlformats.org/officeDocument/2006/relationships" xmlns:p="http://schemas.openxmlformats.org/presentationml/2006/main">
   <p:cSld>
     <p:spTree>
